--- a/Predicting_Diabetes-Using_a_Data_Science_Workflow.pptx
+++ b/Predicting_Diabetes-Using_a_Data_Science_Workflow.pptx
@@ -3429,7 +3429,7 @@
             <a:pPr algn="l"/>
             <a:r>
               <a:rPr lang="en-US" dirty="0"/>
-              <a:t>ID: 202211264</a:t>
+              <a:t>ID: 202311418</a:t>
             </a:r>
           </a:p>
           <a:p>
@@ -3448,7 +3448,7 @@
             <a:pPr algn="l"/>
             <a:r>
               <a:rPr lang="en-US" dirty="0"/>
-              <a:t>ID: 202211264</a:t>
+              <a:t>ID: 201930001</a:t>
             </a:r>
           </a:p>
         </p:txBody>
